--- a/homework_08/Галерея кроссвордов.pptx
+++ b/homework_08/Галерея кроссвордов.pptx
@@ -302,7 +302,7 @@
           <a:p>
             <a:fld id="{B4C71EC6-210F-42DE-9C53-41977AD35B3D}" type="datetimeFigureOut">
               <a:rPr lang="ru-RU" smtClean="0"/>
-              <a:t>14.08.2021</a:t>
+              <a:t>17.08.2021</a:t>
             </a:fld>
             <a:endParaRPr lang="ru-RU"/>
           </a:p>
@@ -467,7 +467,7 @@
           <a:p>
             <a:fld id="{B4C71EC6-210F-42DE-9C53-41977AD35B3D}" type="datetimeFigureOut">
               <a:rPr lang="ru-RU" smtClean="0"/>
-              <a:t>14.08.2021</a:t>
+              <a:t>17.08.2021</a:t>
             </a:fld>
             <a:endParaRPr lang="ru-RU"/>
           </a:p>
@@ -642,7 +642,7 @@
           <a:p>
             <a:fld id="{B4C71EC6-210F-42DE-9C53-41977AD35B3D}" type="datetimeFigureOut">
               <a:rPr lang="ru-RU" smtClean="0"/>
-              <a:t>14.08.2021</a:t>
+              <a:t>17.08.2021</a:t>
             </a:fld>
             <a:endParaRPr lang="ru-RU"/>
           </a:p>
@@ -807,7 +807,7 @@
           <a:p>
             <a:fld id="{B4C71EC6-210F-42DE-9C53-41977AD35B3D}" type="datetimeFigureOut">
               <a:rPr lang="ru-RU" smtClean="0"/>
-              <a:t>14.08.2021</a:t>
+              <a:t>17.08.2021</a:t>
             </a:fld>
             <a:endParaRPr lang="ru-RU"/>
           </a:p>
@@ -1048,7 +1048,7 @@
           <a:p>
             <a:fld id="{B4C71EC6-210F-42DE-9C53-41977AD35B3D}" type="datetimeFigureOut">
               <a:rPr lang="ru-RU" smtClean="0"/>
-              <a:t>14.08.2021</a:t>
+              <a:t>17.08.2021</a:t>
             </a:fld>
             <a:endParaRPr lang="ru-RU"/>
           </a:p>
@@ -1331,7 +1331,7 @@
           <a:p>
             <a:fld id="{B4C71EC6-210F-42DE-9C53-41977AD35B3D}" type="datetimeFigureOut">
               <a:rPr lang="ru-RU" smtClean="0"/>
-              <a:t>14.08.2021</a:t>
+              <a:t>17.08.2021</a:t>
             </a:fld>
             <a:endParaRPr lang="ru-RU"/>
           </a:p>
@@ -1748,7 +1748,7 @@
           <a:p>
             <a:fld id="{B4C71EC6-210F-42DE-9C53-41977AD35B3D}" type="datetimeFigureOut">
               <a:rPr lang="ru-RU" smtClean="0"/>
-              <a:t>14.08.2021</a:t>
+              <a:t>17.08.2021</a:t>
             </a:fld>
             <a:endParaRPr lang="ru-RU"/>
           </a:p>
@@ -1861,7 +1861,7 @@
           <a:p>
             <a:fld id="{B4C71EC6-210F-42DE-9C53-41977AD35B3D}" type="datetimeFigureOut">
               <a:rPr lang="ru-RU" smtClean="0"/>
-              <a:t>14.08.2021</a:t>
+              <a:t>17.08.2021</a:t>
             </a:fld>
             <a:endParaRPr lang="ru-RU"/>
           </a:p>
@@ -1951,7 +1951,7 @@
           <a:p>
             <a:fld id="{B4C71EC6-210F-42DE-9C53-41977AD35B3D}" type="datetimeFigureOut">
               <a:rPr lang="ru-RU" smtClean="0"/>
-              <a:t>14.08.2021</a:t>
+              <a:t>17.08.2021</a:t>
             </a:fld>
             <a:endParaRPr lang="ru-RU"/>
           </a:p>
@@ -2223,7 +2223,7 @@
           <a:p>
             <a:fld id="{B4C71EC6-210F-42DE-9C53-41977AD35B3D}" type="datetimeFigureOut">
               <a:rPr lang="ru-RU" smtClean="0"/>
-              <a:t>14.08.2021</a:t>
+              <a:t>17.08.2021</a:t>
             </a:fld>
             <a:endParaRPr lang="ru-RU"/>
           </a:p>
@@ -2471,7 +2471,7 @@
           <a:p>
             <a:fld id="{B4C71EC6-210F-42DE-9C53-41977AD35B3D}" type="datetimeFigureOut">
               <a:rPr lang="ru-RU" smtClean="0"/>
-              <a:t>14.08.2021</a:t>
+              <a:t>17.08.2021</a:t>
             </a:fld>
             <a:endParaRPr lang="ru-RU"/>
           </a:p>
@@ -2679,7 +2679,7 @@
           <a:p>
             <a:fld id="{B4C71EC6-210F-42DE-9C53-41977AD35B3D}" type="datetimeFigureOut">
               <a:rPr lang="ru-RU" smtClean="0"/>
-              <a:t>14.08.2021</a:t>
+              <a:t>17.08.2021</a:t>
             </a:fld>
             <a:endParaRPr lang="ru-RU"/>
           </a:p>
@@ -4837,36 +4837,6 @@
       </p:sp>
       <p:sp>
         <p:nvSpPr>
-          <p:cNvPr id="11" name="TextBox 10"/>
-          <p:cNvSpPr txBox="1"/>
-          <p:nvPr/>
-        </p:nvSpPr>
-        <p:spPr>
-          <a:xfrm>
-            <a:off x="3707904" y="5291916"/>
-            <a:ext cx="2279023" cy="369332"/>
-          </a:xfrm>
-          <a:prstGeom prst="rect">
-            <a:avLst/>
-          </a:prstGeom>
-          <a:noFill/>
-        </p:spPr>
-        <p:txBody>
-          <a:bodyPr wrap="square" rtlCol="0">
-            <a:spAutoFit/>
-          </a:bodyPr>
-          <a:lstStyle/>
-          <a:p>
-            <a:r>
-              <a:rPr lang="ru-RU" dirty="0" smtClean="0"/>
-              <a:t>Плетнев Дмитрий</a:t>
-            </a:r>
-            <a:endParaRPr lang="en-US" dirty="0" smtClean="0"/>
-          </a:p>
-        </p:txBody>
-      </p:sp>
-      <p:sp>
-        <p:nvSpPr>
           <p:cNvPr id="4" name="Прямоугольник 3"/>
           <p:cNvSpPr/>
           <p:nvPr/>
@@ -4916,7 +4886,7 @@
         </p:blipFill>
         <p:spPr bwMode="auto">
           <a:xfrm>
-            <a:off x="3419872" y="2411596"/>
+            <a:off x="3419872" y="2657068"/>
             <a:ext cx="2448272" cy="2448272"/>
           </a:xfrm>
           <a:prstGeom prst="rect">
@@ -5678,8 +5648,8 @@
               <a:t> бота </a:t>
             </a:r>
             <a:r>
-              <a:rPr lang="en-US" sz="2000" b="1" dirty="0" err="1" smtClean="0"/>
-              <a:t>heroky</a:t>
+              <a:rPr lang="en-US" sz="2000" b="1" smtClean="0"/>
+              <a:t>heroku</a:t>
             </a:r>
             <a:endParaRPr lang="ru-RU" sz="2000" b="1" dirty="0" smtClean="0"/>
           </a:p>
